--- a/SUMPresentation.pptx
+++ b/SUMPresentation.pptx
@@ -7,6 +7,15 @@
   <p:sldIdLst>
     <p:sldId id="256" r:id="rId2"/>
     <p:sldId id="257" r:id="rId3"/>
+    <p:sldId id="258" r:id="rId4"/>
+    <p:sldId id="259" r:id="rId5"/>
+    <p:sldId id="260" r:id="rId6"/>
+    <p:sldId id="261" r:id="rId7"/>
+    <p:sldId id="262" r:id="rId8"/>
+    <p:sldId id="263" r:id="rId9"/>
+    <p:sldId id="264" r:id="rId10"/>
+    <p:sldId id="265" r:id="rId11"/>
+    <p:sldId id="266" r:id="rId12"/>
   </p:sldIdLst>
   <p:sldSz cx="12192000" cy="6858000"/>
   <p:notesSz cx="6858000" cy="9144000"/>
@@ -125,8 +134,8 @@
 <pc:chgInfo xmlns:a="http://schemas.openxmlformats.org/drawingml/2006/main" xmlns:r="http://schemas.openxmlformats.org/officeDocument/2006/relationships" xmlns:ac="http://schemas.microsoft.com/office/drawing/2013/main/command" xmlns:pc="http://schemas.microsoft.com/office/powerpoint/2013/main/command">
   <pc:docChgLst>
     <pc:chgData name="Sam Schmitz" userId="fab88abfbe62923e" providerId="LiveId" clId="{4A84D9D6-0C35-4C5D-B958-EA41FE162CB3}"/>
-    <pc:docChg chg="addSld modSld">
-      <pc:chgData name="Sam Schmitz" userId="fab88abfbe62923e" providerId="LiveId" clId="{4A84D9D6-0C35-4C5D-B958-EA41FE162CB3}" dt="2025-04-11T14:44:06.341" v="52" actId="680"/>
+    <pc:docChg chg="custSel addSld delSld modSld">
+      <pc:chgData name="Sam Schmitz" userId="fab88abfbe62923e" providerId="LiveId" clId="{4A84D9D6-0C35-4C5D-B958-EA41FE162CB3}" dt="2025-04-14T13:01:36.424" v="526" actId="20577"/>
       <pc:docMkLst>
         <pc:docMk/>
       </pc:docMkLst>
@@ -153,12 +162,209 @@
           </ac:spMkLst>
         </pc:spChg>
       </pc:sldChg>
-      <pc:sldChg chg="new">
-        <pc:chgData name="Sam Schmitz" userId="fab88abfbe62923e" providerId="LiveId" clId="{4A84D9D6-0C35-4C5D-B958-EA41FE162CB3}" dt="2025-04-11T14:44:06.341" v="52" actId="680"/>
+      <pc:sldChg chg="modSp new mod">
+        <pc:chgData name="Sam Schmitz" userId="fab88abfbe62923e" providerId="LiveId" clId="{4A84D9D6-0C35-4C5D-B958-EA41FE162CB3}" dt="2025-04-14T12:51:51.706" v="152" actId="20577"/>
+        <pc:sldMkLst>
+          <pc:docMk/>
+          <pc:sldMk cId="3448041938" sldId="257"/>
+        </pc:sldMkLst>
+        <pc:spChg chg="mod">
+          <ac:chgData name="Sam Schmitz" userId="fab88abfbe62923e" providerId="LiveId" clId="{4A84D9D6-0C35-4C5D-B958-EA41FE162CB3}" dt="2025-04-14T12:51:28.926" v="105" actId="20577"/>
+          <ac:spMkLst>
+            <pc:docMk/>
+            <pc:sldMk cId="3448041938" sldId="257"/>
+            <ac:spMk id="2" creationId="{D638BD53-7D0B-5DBB-BD3B-C208EC94F19D}"/>
+          </ac:spMkLst>
+        </pc:spChg>
+        <pc:spChg chg="mod">
+          <ac:chgData name="Sam Schmitz" userId="fab88abfbe62923e" providerId="LiveId" clId="{4A84D9D6-0C35-4C5D-B958-EA41FE162CB3}" dt="2025-04-14T12:51:51.706" v="152" actId="20577"/>
+          <ac:spMkLst>
+            <pc:docMk/>
+            <pc:sldMk cId="3448041938" sldId="257"/>
+            <ac:spMk id="3" creationId="{5C020EAF-E295-DDBA-57AC-3FECDE23D819}"/>
+          </ac:spMkLst>
+        </pc:spChg>
+        <pc:spChg chg="mod">
+          <ac:chgData name="Sam Schmitz" userId="fab88abfbe62923e" providerId="LiveId" clId="{4A84D9D6-0C35-4C5D-B958-EA41FE162CB3}" dt="2025-04-14T12:51:46.187" v="140" actId="20577"/>
+          <ac:spMkLst>
+            <pc:docMk/>
+            <pc:sldMk cId="3448041938" sldId="257"/>
+            <ac:spMk id="4" creationId="{108AC129-6CA0-DB83-2F64-377405D196FD}"/>
+          </ac:spMkLst>
+        </pc:spChg>
+      </pc:sldChg>
+      <pc:sldChg chg="new del">
+        <pc:chgData name="Sam Schmitz" userId="fab88abfbe62923e" providerId="LiveId" clId="{4A84D9D6-0C35-4C5D-B958-EA41FE162CB3}" dt="2025-04-14T12:50:35.783" v="53" actId="2696"/>
         <pc:sldMkLst>
           <pc:docMk/>
           <pc:sldMk cId="3909697203" sldId="257"/>
         </pc:sldMkLst>
+      </pc:sldChg>
+      <pc:sldChg chg="new del">
+        <pc:chgData name="Sam Schmitz" userId="fab88abfbe62923e" providerId="LiveId" clId="{4A84D9D6-0C35-4C5D-B958-EA41FE162CB3}" dt="2025-04-14T12:53:02.519" v="154" actId="2696"/>
+        <pc:sldMkLst>
+          <pc:docMk/>
+          <pc:sldMk cId="123985837" sldId="258"/>
+        </pc:sldMkLst>
+      </pc:sldChg>
+      <pc:sldChg chg="modSp new mod">
+        <pc:chgData name="Sam Schmitz" userId="fab88abfbe62923e" providerId="LiveId" clId="{4A84D9D6-0C35-4C5D-B958-EA41FE162CB3}" dt="2025-04-14T12:54:41.267" v="227" actId="20577"/>
+        <pc:sldMkLst>
+          <pc:docMk/>
+          <pc:sldMk cId="2968585308" sldId="258"/>
+        </pc:sldMkLst>
+        <pc:spChg chg="mod">
+          <ac:chgData name="Sam Schmitz" userId="fab88abfbe62923e" providerId="LiveId" clId="{4A84D9D6-0C35-4C5D-B958-EA41FE162CB3}" dt="2025-04-14T12:54:41.267" v="227" actId="20577"/>
+          <ac:spMkLst>
+            <pc:docMk/>
+            <pc:sldMk cId="2968585308" sldId="258"/>
+            <ac:spMk id="2" creationId="{F14206F0-ECA6-45CA-8525-2EB37C49C5A1}"/>
+          </ac:spMkLst>
+        </pc:spChg>
+      </pc:sldChg>
+      <pc:sldChg chg="modSp new mod">
+        <pc:chgData name="Sam Schmitz" userId="fab88abfbe62923e" providerId="LiveId" clId="{4A84D9D6-0C35-4C5D-B958-EA41FE162CB3}" dt="2025-04-14T12:55:12.530" v="247" actId="20577"/>
+        <pc:sldMkLst>
+          <pc:docMk/>
+          <pc:sldMk cId="1649825407" sldId="259"/>
+        </pc:sldMkLst>
+        <pc:spChg chg="mod">
+          <ac:chgData name="Sam Schmitz" userId="fab88abfbe62923e" providerId="LiveId" clId="{4A84D9D6-0C35-4C5D-B958-EA41FE162CB3}" dt="2025-04-14T12:55:12.530" v="247" actId="20577"/>
+          <ac:spMkLst>
+            <pc:docMk/>
+            <pc:sldMk cId="1649825407" sldId="259"/>
+            <ac:spMk id="2" creationId="{DEC521D6-AF4C-2874-F71C-2A714B795B74}"/>
+          </ac:spMkLst>
+        </pc:spChg>
+      </pc:sldChg>
+      <pc:sldChg chg="modSp new mod">
+        <pc:chgData name="Sam Schmitz" userId="fab88abfbe62923e" providerId="LiveId" clId="{4A84D9D6-0C35-4C5D-B958-EA41FE162CB3}" dt="2025-04-14T12:55:57.516" v="322" actId="20577"/>
+        <pc:sldMkLst>
+          <pc:docMk/>
+          <pc:sldMk cId="2064182060" sldId="260"/>
+        </pc:sldMkLst>
+        <pc:spChg chg="mod">
+          <ac:chgData name="Sam Schmitz" userId="fab88abfbe62923e" providerId="LiveId" clId="{4A84D9D6-0C35-4C5D-B958-EA41FE162CB3}" dt="2025-04-14T12:55:57.516" v="322" actId="20577"/>
+          <ac:spMkLst>
+            <pc:docMk/>
+            <pc:sldMk cId="2064182060" sldId="260"/>
+            <ac:spMk id="2" creationId="{F673BF65-3187-6F09-2C69-C2D501C5B349}"/>
+          </ac:spMkLst>
+        </pc:spChg>
+        <pc:spChg chg="mod">
+          <ac:chgData name="Sam Schmitz" userId="fab88abfbe62923e" providerId="LiveId" clId="{4A84D9D6-0C35-4C5D-B958-EA41FE162CB3}" dt="2025-04-14T12:55:45.842" v="293" actId="313"/>
+          <ac:spMkLst>
+            <pc:docMk/>
+            <pc:sldMk cId="2064182060" sldId="260"/>
+            <ac:spMk id="3" creationId="{152F1098-1709-1003-CCA4-C836F4152763}"/>
+          </ac:spMkLst>
+        </pc:spChg>
+        <pc:spChg chg="mod">
+          <ac:chgData name="Sam Schmitz" userId="fab88abfbe62923e" providerId="LiveId" clId="{4A84D9D6-0C35-4C5D-B958-EA41FE162CB3}" dt="2025-04-14T12:55:43.568" v="292" actId="20577"/>
+          <ac:spMkLst>
+            <pc:docMk/>
+            <pc:sldMk cId="2064182060" sldId="260"/>
+            <ac:spMk id="5" creationId="{28C9BE97-D677-55FB-C624-5E39C01906D2}"/>
+          </ac:spMkLst>
+        </pc:spChg>
+      </pc:sldChg>
+      <pc:sldChg chg="modSp new mod">
+        <pc:chgData name="Sam Schmitz" userId="fab88abfbe62923e" providerId="LiveId" clId="{4A84D9D6-0C35-4C5D-B958-EA41FE162CB3}" dt="2025-04-14T12:56:11.825" v="346" actId="20577"/>
+        <pc:sldMkLst>
+          <pc:docMk/>
+          <pc:sldMk cId="2340615137" sldId="261"/>
+        </pc:sldMkLst>
+        <pc:spChg chg="mod">
+          <ac:chgData name="Sam Schmitz" userId="fab88abfbe62923e" providerId="LiveId" clId="{4A84D9D6-0C35-4C5D-B958-EA41FE162CB3}" dt="2025-04-14T12:56:11.825" v="346" actId="20577"/>
+          <ac:spMkLst>
+            <pc:docMk/>
+            <pc:sldMk cId="2340615137" sldId="261"/>
+            <ac:spMk id="2" creationId="{D3A93989-F930-E8EE-DFAE-BD8DA23E5AF6}"/>
+          </ac:spMkLst>
+        </pc:spChg>
+      </pc:sldChg>
+      <pc:sldChg chg="modSp new mod">
+        <pc:chgData name="Sam Schmitz" userId="fab88abfbe62923e" providerId="LiveId" clId="{4A84D9D6-0C35-4C5D-B958-EA41FE162CB3}" dt="2025-04-14T12:56:58.212" v="362" actId="313"/>
+        <pc:sldMkLst>
+          <pc:docMk/>
+          <pc:sldMk cId="2217647955" sldId="262"/>
+        </pc:sldMkLst>
+        <pc:spChg chg="mod">
+          <ac:chgData name="Sam Schmitz" userId="fab88abfbe62923e" providerId="LiveId" clId="{4A84D9D6-0C35-4C5D-B958-EA41FE162CB3}" dt="2025-04-14T12:56:58.212" v="362" actId="313"/>
+          <ac:spMkLst>
+            <pc:docMk/>
+            <pc:sldMk cId="2217647955" sldId="262"/>
+            <ac:spMk id="2" creationId="{9ABCE6E7-0782-51A5-4A55-4C0C5222E73C}"/>
+          </ac:spMkLst>
+        </pc:spChg>
+      </pc:sldChg>
+      <pc:sldChg chg="modSp new mod">
+        <pc:chgData name="Sam Schmitz" userId="fab88abfbe62923e" providerId="LiveId" clId="{4A84D9D6-0C35-4C5D-B958-EA41FE162CB3}" dt="2025-04-14T13:00:28.004" v="399" actId="20577"/>
+        <pc:sldMkLst>
+          <pc:docMk/>
+          <pc:sldMk cId="1675382547" sldId="263"/>
+        </pc:sldMkLst>
+        <pc:spChg chg="mod">
+          <ac:chgData name="Sam Schmitz" userId="fab88abfbe62923e" providerId="LiveId" clId="{4A84D9D6-0C35-4C5D-B958-EA41FE162CB3}" dt="2025-04-14T12:57:07.959" v="371" actId="20577"/>
+          <ac:spMkLst>
+            <pc:docMk/>
+            <pc:sldMk cId="1675382547" sldId="263"/>
+            <ac:spMk id="2" creationId="{291E13FE-3B17-DC6B-66C9-DF17E3737DC1}"/>
+          </ac:spMkLst>
+        </pc:spChg>
+        <pc:spChg chg="mod">
+          <ac:chgData name="Sam Schmitz" userId="fab88abfbe62923e" providerId="LiveId" clId="{4A84D9D6-0C35-4C5D-B958-EA41FE162CB3}" dt="2025-04-14T13:00:28.004" v="399" actId="20577"/>
+          <ac:spMkLst>
+            <pc:docMk/>
+            <pc:sldMk cId="1675382547" sldId="263"/>
+            <ac:spMk id="3" creationId="{25C791AA-B1D2-1FA8-1EE3-91BD87A2911D}"/>
+          </ac:spMkLst>
+        </pc:spChg>
+      </pc:sldChg>
+      <pc:sldChg chg="modSp new mod">
+        <pc:chgData name="Sam Schmitz" userId="fab88abfbe62923e" providerId="LiveId" clId="{4A84D9D6-0C35-4C5D-B958-EA41FE162CB3}" dt="2025-04-14T13:00:59.359" v="465" actId="20577"/>
+        <pc:sldMkLst>
+          <pc:docMk/>
+          <pc:sldMk cId="59039754" sldId="264"/>
+        </pc:sldMkLst>
+        <pc:spChg chg="mod">
+          <ac:chgData name="Sam Schmitz" userId="fab88abfbe62923e" providerId="LiveId" clId="{4A84D9D6-0C35-4C5D-B958-EA41FE162CB3}" dt="2025-04-14T13:00:59.359" v="465" actId="20577"/>
+          <ac:spMkLst>
+            <pc:docMk/>
+            <pc:sldMk cId="59039754" sldId="264"/>
+            <ac:spMk id="2" creationId="{20477088-9565-5744-2946-A37B1AB33D30}"/>
+          </ac:spMkLst>
+        </pc:spChg>
+      </pc:sldChg>
+      <pc:sldChg chg="modSp new mod">
+        <pc:chgData name="Sam Schmitz" userId="fab88abfbe62923e" providerId="LiveId" clId="{4A84D9D6-0C35-4C5D-B958-EA41FE162CB3}" dt="2025-04-14T13:01:09.411" v="491" actId="20577"/>
+        <pc:sldMkLst>
+          <pc:docMk/>
+          <pc:sldMk cId="3466667604" sldId="265"/>
+        </pc:sldMkLst>
+        <pc:spChg chg="mod">
+          <ac:chgData name="Sam Schmitz" userId="fab88abfbe62923e" providerId="LiveId" clId="{4A84D9D6-0C35-4C5D-B958-EA41FE162CB3}" dt="2025-04-14T13:01:09.411" v="491" actId="20577"/>
+          <ac:spMkLst>
+            <pc:docMk/>
+            <pc:sldMk cId="3466667604" sldId="265"/>
+            <ac:spMk id="2" creationId="{9793D211-7EC3-C46A-1E59-C5D822178C5C}"/>
+          </ac:spMkLst>
+        </pc:spChg>
+      </pc:sldChg>
+      <pc:sldChg chg="modSp new mod">
+        <pc:chgData name="Sam Schmitz" userId="fab88abfbe62923e" providerId="LiveId" clId="{4A84D9D6-0C35-4C5D-B958-EA41FE162CB3}" dt="2025-04-14T13:01:36.424" v="526" actId="20577"/>
+        <pc:sldMkLst>
+          <pc:docMk/>
+          <pc:sldMk cId="3511489695" sldId="266"/>
+        </pc:sldMkLst>
+        <pc:spChg chg="mod">
+          <ac:chgData name="Sam Schmitz" userId="fab88abfbe62923e" providerId="LiveId" clId="{4A84D9D6-0C35-4C5D-B958-EA41FE162CB3}" dt="2025-04-14T13:01:36.424" v="526" actId="20577"/>
+          <ac:spMkLst>
+            <pc:docMk/>
+            <pc:sldMk cId="3511489695" sldId="266"/>
+            <ac:spMk id="2" creationId="{F81FFC1F-7D12-8144-C0B5-E77884BD089C}"/>
+          </ac:spMkLst>
+        </pc:spChg>
       </pc:sldChg>
     </pc:docChg>
   </pc:docChgLst>
@@ -667,7 +873,7 @@
           <a:p>
             <a:fld id="{D74B4FC7-2443-4682-8FA8-AFB45EC690C4}" type="datetimeFigureOut">
               <a:rPr lang="en-US" smtClean="0"/>
-              <a:t>4/11/2025</a:t>
+              <a:t>4/14/2025</a:t>
             </a:fld>
             <a:endParaRPr lang="en-US"/>
           </a:p>
@@ -963,7 +1169,7 @@
           <a:p>
             <a:fld id="{D74B4FC7-2443-4682-8FA8-AFB45EC690C4}" type="datetimeFigureOut">
               <a:rPr lang="en-US" smtClean="0"/>
-              <a:t>4/11/2025</a:t>
+              <a:t>4/14/2025</a:t>
             </a:fld>
             <a:endParaRPr lang="en-US"/>
           </a:p>
@@ -1211,7 +1417,7 @@
           <a:p>
             <a:fld id="{D74B4FC7-2443-4682-8FA8-AFB45EC690C4}" type="datetimeFigureOut">
               <a:rPr lang="en-US" smtClean="0"/>
-              <a:t>4/11/2025</a:t>
+              <a:t>4/14/2025</a:t>
             </a:fld>
             <a:endParaRPr lang="en-US"/>
           </a:p>
@@ -1751,7 +1957,7 @@
           <a:p>
             <a:fld id="{D74B4FC7-2443-4682-8FA8-AFB45EC690C4}" type="datetimeFigureOut">
               <a:rPr lang="en-US" smtClean="0"/>
-              <a:t>4/11/2025</a:t>
+              <a:t>4/14/2025</a:t>
             </a:fld>
             <a:endParaRPr lang="en-US"/>
           </a:p>
@@ -1999,7 +2205,7 @@
           <a:p>
             <a:fld id="{D74B4FC7-2443-4682-8FA8-AFB45EC690C4}" type="datetimeFigureOut">
               <a:rPr lang="en-US" smtClean="0"/>
-              <a:t>4/11/2025</a:t>
+              <a:t>4/14/2025</a:t>
             </a:fld>
             <a:endParaRPr lang="en-US"/>
           </a:p>
@@ -2531,7 +2737,7 @@
           <a:p>
             <a:fld id="{D74B4FC7-2443-4682-8FA8-AFB45EC690C4}" type="datetimeFigureOut">
               <a:rPr lang="en-US" smtClean="0"/>
-              <a:t>4/11/2025</a:t>
+              <a:t>4/14/2025</a:t>
             </a:fld>
             <a:endParaRPr lang="en-US"/>
           </a:p>
@@ -2828,7 +3034,7 @@
           <a:p>
             <a:fld id="{D74B4FC7-2443-4682-8FA8-AFB45EC690C4}" type="datetimeFigureOut">
               <a:rPr lang="en-US" smtClean="0"/>
-              <a:t>4/11/2025</a:t>
+              <a:t>4/14/2025</a:t>
             </a:fld>
             <a:endParaRPr lang="en-US"/>
           </a:p>
@@ -3002,7 +3208,7 @@
           <a:p>
             <a:fld id="{D74B4FC7-2443-4682-8FA8-AFB45EC690C4}" type="datetimeFigureOut">
               <a:rPr lang="en-US" smtClean="0"/>
-              <a:t>4/11/2025</a:t>
+              <a:t>4/14/2025</a:t>
             </a:fld>
             <a:endParaRPr lang="en-US"/>
           </a:p>
@@ -3182,7 +3388,7 @@
           <a:p>
             <a:fld id="{D74B4FC7-2443-4682-8FA8-AFB45EC690C4}" type="datetimeFigureOut">
               <a:rPr lang="en-US" smtClean="0"/>
-              <a:t>4/11/2025</a:t>
+              <a:t>4/14/2025</a:t>
             </a:fld>
             <a:endParaRPr lang="en-US"/>
           </a:p>
@@ -3352,7 +3558,7 @@
           <a:p>
             <a:fld id="{D74B4FC7-2443-4682-8FA8-AFB45EC690C4}" type="datetimeFigureOut">
               <a:rPr lang="en-US" smtClean="0"/>
-              <a:t>4/11/2025</a:t>
+              <a:t>4/14/2025</a:t>
             </a:fld>
             <a:endParaRPr lang="en-US"/>
           </a:p>
@@ -3603,7 +3809,7 @@
           <a:p>
             <a:fld id="{D74B4FC7-2443-4682-8FA8-AFB45EC690C4}" type="datetimeFigureOut">
               <a:rPr lang="en-US" smtClean="0"/>
-              <a:t>4/11/2025</a:t>
+              <a:t>4/14/2025</a:t>
             </a:fld>
             <a:endParaRPr lang="en-US"/>
           </a:p>
@@ -3900,7 +4106,7 @@
           <a:p>
             <a:fld id="{D74B4FC7-2443-4682-8FA8-AFB45EC690C4}" type="datetimeFigureOut">
               <a:rPr lang="en-US" smtClean="0"/>
-              <a:t>4/11/2025</a:t>
+              <a:t>4/14/2025</a:t>
             </a:fld>
             <a:endParaRPr lang="en-US"/>
           </a:p>
@@ -4342,7 +4548,7 @@
           <a:p>
             <a:fld id="{D74B4FC7-2443-4682-8FA8-AFB45EC690C4}" type="datetimeFigureOut">
               <a:rPr lang="en-US" smtClean="0"/>
-              <a:t>4/11/2025</a:t>
+              <a:t>4/14/2025</a:t>
             </a:fld>
             <a:endParaRPr lang="en-US"/>
           </a:p>
@@ -4460,7 +4666,7 @@
           <a:p>
             <a:fld id="{D74B4FC7-2443-4682-8FA8-AFB45EC690C4}" type="datetimeFigureOut">
               <a:rPr lang="en-US" smtClean="0"/>
-              <a:t>4/11/2025</a:t>
+              <a:t>4/14/2025</a:t>
             </a:fld>
             <a:endParaRPr lang="en-US"/>
           </a:p>
@@ -4555,7 +4761,7 @@
           <a:p>
             <a:fld id="{D74B4FC7-2443-4682-8FA8-AFB45EC690C4}" type="datetimeFigureOut">
               <a:rPr lang="en-US" smtClean="0"/>
-              <a:t>4/11/2025</a:t>
+              <a:t>4/14/2025</a:t>
             </a:fld>
             <a:endParaRPr lang="en-US"/>
           </a:p>
@@ -4838,7 +5044,7 @@
           <a:p>
             <a:fld id="{D74B4FC7-2443-4682-8FA8-AFB45EC690C4}" type="datetimeFigureOut">
               <a:rPr lang="en-US" smtClean="0"/>
-              <a:t>4/11/2025</a:t>
+              <a:t>4/14/2025</a:t>
             </a:fld>
             <a:endParaRPr lang="en-US"/>
           </a:p>
@@ -5129,7 +5335,7 @@
           <a:p>
             <a:fld id="{D74B4FC7-2443-4682-8FA8-AFB45EC690C4}" type="datetimeFigureOut">
               <a:rPr lang="en-US" smtClean="0"/>
-              <a:t>4/11/2025</a:t>
+              <a:t>4/14/2025</a:t>
             </a:fld>
             <a:endParaRPr lang="en-US"/>
           </a:p>
@@ -5659,7 +5865,7 @@
           <a:p>
             <a:fld id="{D74B4FC7-2443-4682-8FA8-AFB45EC690C4}" type="datetimeFigureOut">
               <a:rPr lang="en-US" smtClean="0"/>
-              <a:t>4/11/2025</a:t>
+              <a:t>4/14/2025</a:t>
             </a:fld>
             <a:endParaRPr lang="en-US"/>
           </a:p>
@@ -6262,6 +6468,172 @@
 </p:sld>
 </file>
 
+<file path=ppt/slides/slide10.xml><?xml version="1.0" encoding="utf-8"?>
+<p:sld xmlns:a="http://schemas.openxmlformats.org/drawingml/2006/main" xmlns:r="http://schemas.openxmlformats.org/officeDocument/2006/relationships" xmlns:p="http://schemas.openxmlformats.org/presentationml/2006/main">
+  <p:cSld>
+    <p:spTree>
+      <p:nvGrpSpPr>
+        <p:cNvPr id="1" name=""/>
+        <p:cNvGrpSpPr/>
+        <p:nvPr/>
+      </p:nvGrpSpPr>
+      <p:grpSpPr>
+        <a:xfrm>
+          <a:off x="0" y="0"/>
+          <a:ext cx="0" cy="0"/>
+          <a:chOff x="0" y="0"/>
+          <a:chExt cx="0" cy="0"/>
+        </a:xfrm>
+      </p:grpSpPr>
+      <p:sp>
+        <p:nvSpPr>
+          <p:cNvPr id="2" name="Title 1">
+            <a:extLst>
+              <a:ext uri="{FF2B5EF4-FFF2-40B4-BE49-F238E27FC236}">
+                <a16:creationId xmlns:a16="http://schemas.microsoft.com/office/drawing/2014/main" id="{9793D211-7EC3-C46A-1E59-C5D822178C5C}"/>
+              </a:ext>
+            </a:extLst>
+          </p:cNvPr>
+          <p:cNvSpPr>
+            <a:spLocks noGrp="1"/>
+          </p:cNvSpPr>
+          <p:nvPr>
+            <p:ph type="title"/>
+          </p:nvPr>
+        </p:nvSpPr>
+        <p:spPr/>
+        <p:txBody>
+          <a:bodyPr/>
+          <a:lstStyle/>
+          <a:p>
+            <a:r>
+              <a:rPr lang="en-US" dirty="0"/>
+              <a:t>PageRank Regression Model</a:t>
+            </a:r>
+          </a:p>
+        </p:txBody>
+      </p:sp>
+      <p:sp>
+        <p:nvSpPr>
+          <p:cNvPr id="3" name="Content Placeholder 2">
+            <a:extLst>
+              <a:ext uri="{FF2B5EF4-FFF2-40B4-BE49-F238E27FC236}">
+                <a16:creationId xmlns:a16="http://schemas.microsoft.com/office/drawing/2014/main" id="{BE6B2B97-A4CD-0966-6275-EFC27F11BFC5}"/>
+              </a:ext>
+            </a:extLst>
+          </p:cNvPr>
+          <p:cNvSpPr>
+            <a:spLocks noGrp="1"/>
+          </p:cNvSpPr>
+          <p:nvPr>
+            <p:ph idx="1"/>
+          </p:nvPr>
+        </p:nvSpPr>
+        <p:spPr/>
+        <p:txBody>
+          <a:bodyPr/>
+          <a:lstStyle/>
+          <a:p>
+            <a:endParaRPr lang="en-US"/>
+          </a:p>
+        </p:txBody>
+      </p:sp>
+    </p:spTree>
+    <p:extLst>
+      <p:ext uri="{BB962C8B-B14F-4D97-AF65-F5344CB8AC3E}">
+        <p14:creationId xmlns:p14="http://schemas.microsoft.com/office/powerpoint/2010/main" val="3466667604"/>
+      </p:ext>
+    </p:extLst>
+  </p:cSld>
+  <p:clrMapOvr>
+    <a:masterClrMapping/>
+  </p:clrMapOvr>
+</p:sld>
+</file>
+
+<file path=ppt/slides/slide11.xml><?xml version="1.0" encoding="utf-8"?>
+<p:sld xmlns:a="http://schemas.openxmlformats.org/drawingml/2006/main" xmlns:r="http://schemas.openxmlformats.org/officeDocument/2006/relationships" xmlns:p="http://schemas.openxmlformats.org/presentationml/2006/main">
+  <p:cSld>
+    <p:spTree>
+      <p:nvGrpSpPr>
+        <p:cNvPr id="1" name=""/>
+        <p:cNvGrpSpPr/>
+        <p:nvPr/>
+      </p:nvGrpSpPr>
+      <p:grpSpPr>
+        <a:xfrm>
+          <a:off x="0" y="0"/>
+          <a:ext cx="0" cy="0"/>
+          <a:chOff x="0" y="0"/>
+          <a:chExt cx="0" cy="0"/>
+        </a:xfrm>
+      </p:grpSpPr>
+      <p:sp>
+        <p:nvSpPr>
+          <p:cNvPr id="2" name="Title 1">
+            <a:extLst>
+              <a:ext uri="{FF2B5EF4-FFF2-40B4-BE49-F238E27FC236}">
+                <a16:creationId xmlns:a16="http://schemas.microsoft.com/office/drawing/2014/main" id="{F81FFC1F-7D12-8144-C0B5-E77884BD089C}"/>
+              </a:ext>
+            </a:extLst>
+          </p:cNvPr>
+          <p:cNvSpPr>
+            <a:spLocks noGrp="1"/>
+          </p:cNvSpPr>
+          <p:nvPr>
+            <p:ph type="title"/>
+          </p:nvPr>
+        </p:nvSpPr>
+        <p:spPr/>
+        <p:txBody>
+          <a:bodyPr/>
+          <a:lstStyle/>
+          <a:p>
+            <a:r>
+              <a:rPr lang="en-US" dirty="0"/>
+              <a:t>Final/Most Developed Model</a:t>
+            </a:r>
+          </a:p>
+        </p:txBody>
+      </p:sp>
+      <p:sp>
+        <p:nvSpPr>
+          <p:cNvPr id="3" name="Content Placeholder 2">
+            <a:extLst>
+              <a:ext uri="{FF2B5EF4-FFF2-40B4-BE49-F238E27FC236}">
+                <a16:creationId xmlns:a16="http://schemas.microsoft.com/office/drawing/2014/main" id="{F3B34003-47B8-590C-60B0-DAB2A1F6FE2C}"/>
+              </a:ext>
+            </a:extLst>
+          </p:cNvPr>
+          <p:cNvSpPr>
+            <a:spLocks noGrp="1"/>
+          </p:cNvSpPr>
+          <p:nvPr>
+            <p:ph idx="1"/>
+          </p:nvPr>
+        </p:nvSpPr>
+        <p:spPr/>
+        <p:txBody>
+          <a:bodyPr/>
+          <a:lstStyle/>
+          <a:p>
+            <a:endParaRPr lang="en-US"/>
+          </a:p>
+        </p:txBody>
+      </p:sp>
+    </p:spTree>
+    <p:extLst>
+      <p:ext uri="{BB962C8B-B14F-4D97-AF65-F5344CB8AC3E}">
+        <p14:creationId xmlns:p14="http://schemas.microsoft.com/office/powerpoint/2010/main" val="3511489695"/>
+      </p:ext>
+    </p:extLst>
+  </p:cSld>
+  <p:clrMapOvr>
+    <a:masterClrMapping/>
+  </p:clrMapOvr>
+</p:sld>
+</file>
+
 <file path=ppt/slides/slide2.xml><?xml version="1.0" encoding="utf-8"?>
 <p:sld xmlns:a="http://schemas.openxmlformats.org/drawingml/2006/main" xmlns:r="http://schemas.openxmlformats.org/officeDocument/2006/relationships" xmlns:p="http://schemas.openxmlformats.org/presentationml/2006/main">
   <p:cSld>
@@ -6284,7 +6656,7 @@
           <p:cNvPr id="2" name="Title 1">
             <a:extLst>
               <a:ext uri="{FF2B5EF4-FFF2-40B4-BE49-F238E27FC236}">
-                <a16:creationId xmlns:a16="http://schemas.microsoft.com/office/drawing/2014/main" id="{62AB7C7F-08B3-42EB-D66D-318005442BA8}"/>
+                <a16:creationId xmlns:a16="http://schemas.microsoft.com/office/drawing/2014/main" id="{D638BD53-7D0B-5DBB-BD3B-C208EC94F19D}"/>
               </a:ext>
             </a:extLst>
           </p:cNvPr>
@@ -6300,7 +6672,10 @@
           <a:bodyPr/>
           <a:lstStyle/>
           <a:p>
-            <a:endParaRPr lang="en-US"/>
+            <a:r>
+              <a:rPr lang="en-US" dirty="0"/>
+              <a:t>What are Odds and Money Line?</a:t>
+            </a:r>
           </a:p>
         </p:txBody>
       </p:sp>
@@ -6309,7 +6684,7 @@
           <p:cNvPr id="3" name="Content Placeholder 2">
             <a:extLst>
               <a:ext uri="{FF2B5EF4-FFF2-40B4-BE49-F238E27FC236}">
-                <a16:creationId xmlns:a16="http://schemas.microsoft.com/office/drawing/2014/main" id="{A7D54D12-A950-303D-1FAC-37E6ADAF9138}"/>
+                <a16:creationId xmlns:a16="http://schemas.microsoft.com/office/drawing/2014/main" id="{5C020EAF-E295-DDBA-57AC-3FECDE23D819}"/>
               </a:ext>
             </a:extLst>
           </p:cNvPr>
@@ -6317,22 +6692,721 @@
             <a:spLocks noGrp="1"/>
           </p:cNvSpPr>
           <p:nvPr>
-            <p:ph idx="1"/>
-          </p:nvPr>
-        </p:nvSpPr>
-        <p:spPr/>
-        <p:txBody>
-          <a:bodyPr/>
-          <a:lstStyle/>
-          <a:p>
-            <a:endParaRPr lang="en-US"/>
+            <p:ph sz="half" idx="1"/>
+          </p:nvPr>
+        </p:nvSpPr>
+        <p:spPr/>
+        <p:txBody>
+          <a:bodyPr/>
+          <a:lstStyle/>
+          <a:p>
+            <a:r>
+              <a:rPr lang="en-US" dirty="0"/>
+              <a:t>Def/Ex</a:t>
+            </a:r>
+          </a:p>
+        </p:txBody>
+      </p:sp>
+      <p:sp>
+        <p:nvSpPr>
+          <p:cNvPr id="4" name="Content Placeholder 3">
+            <a:extLst>
+              <a:ext uri="{FF2B5EF4-FFF2-40B4-BE49-F238E27FC236}">
+                <a16:creationId xmlns:a16="http://schemas.microsoft.com/office/drawing/2014/main" id="{108AC129-6CA0-DB83-2F64-377405D196FD}"/>
+              </a:ext>
+            </a:extLst>
+          </p:cNvPr>
+          <p:cNvSpPr>
+            <a:spLocks noGrp="1"/>
+          </p:cNvSpPr>
+          <p:nvPr>
+            <p:ph sz="half" idx="2"/>
+          </p:nvPr>
+        </p:nvSpPr>
+        <p:spPr/>
+        <p:txBody>
+          <a:bodyPr/>
+          <a:lstStyle/>
+          <a:p>
+            <a:pPr marL="0" indent="0">
+              <a:buNone/>
+            </a:pPr>
+            <a:r>
+              <a:rPr lang="en-US" dirty="0"/>
+              <a:t>Def/Ex</a:t>
+            </a:r>
           </a:p>
         </p:txBody>
       </p:sp>
     </p:spTree>
     <p:extLst>
       <p:ext uri="{BB962C8B-B14F-4D97-AF65-F5344CB8AC3E}">
-        <p14:creationId xmlns:p14="http://schemas.microsoft.com/office/powerpoint/2010/main" val="3909697203"/>
+        <p14:creationId xmlns:p14="http://schemas.microsoft.com/office/powerpoint/2010/main" val="3448041938"/>
+      </p:ext>
+    </p:extLst>
+  </p:cSld>
+  <p:clrMapOvr>
+    <a:masterClrMapping/>
+  </p:clrMapOvr>
+</p:sld>
+</file>
+
+<file path=ppt/slides/slide3.xml><?xml version="1.0" encoding="utf-8"?>
+<p:sld xmlns:a="http://schemas.openxmlformats.org/drawingml/2006/main" xmlns:r="http://schemas.openxmlformats.org/officeDocument/2006/relationships" xmlns:p="http://schemas.openxmlformats.org/presentationml/2006/main">
+  <p:cSld>
+    <p:spTree>
+      <p:nvGrpSpPr>
+        <p:cNvPr id="1" name=""/>
+        <p:cNvGrpSpPr/>
+        <p:nvPr/>
+      </p:nvGrpSpPr>
+      <p:grpSpPr>
+        <a:xfrm>
+          <a:off x="0" y="0"/>
+          <a:ext cx="0" cy="0"/>
+          <a:chOff x="0" y="0"/>
+          <a:chExt cx="0" cy="0"/>
+        </a:xfrm>
+      </p:grpSpPr>
+      <p:sp>
+        <p:nvSpPr>
+          <p:cNvPr id="2" name="Title 1">
+            <a:extLst>
+              <a:ext uri="{FF2B5EF4-FFF2-40B4-BE49-F238E27FC236}">
+                <a16:creationId xmlns:a16="http://schemas.microsoft.com/office/drawing/2014/main" id="{F14206F0-ECA6-45CA-8525-2EB37C49C5A1}"/>
+              </a:ext>
+            </a:extLst>
+          </p:cNvPr>
+          <p:cNvSpPr>
+            <a:spLocks noGrp="1"/>
+          </p:cNvSpPr>
+          <p:nvPr>
+            <p:ph type="title"/>
+          </p:nvPr>
+        </p:nvSpPr>
+        <p:spPr/>
+        <p:txBody>
+          <a:bodyPr/>
+          <a:lstStyle/>
+          <a:p>
+            <a:r>
+              <a:rPr lang="en-US" dirty="0"/>
+              <a:t>Calculating Math and House Edge****</a:t>
+            </a:r>
+          </a:p>
+        </p:txBody>
+      </p:sp>
+      <p:sp>
+        <p:nvSpPr>
+          <p:cNvPr id="3" name="Content Placeholder 2">
+            <a:extLst>
+              <a:ext uri="{FF2B5EF4-FFF2-40B4-BE49-F238E27FC236}">
+                <a16:creationId xmlns:a16="http://schemas.microsoft.com/office/drawing/2014/main" id="{E98B79F9-D8D6-F270-5940-3F86B8118903}"/>
+              </a:ext>
+            </a:extLst>
+          </p:cNvPr>
+          <p:cNvSpPr>
+            <a:spLocks noGrp="1"/>
+          </p:cNvSpPr>
+          <p:nvPr>
+            <p:ph idx="1"/>
+          </p:nvPr>
+        </p:nvSpPr>
+        <p:spPr/>
+        <p:txBody>
+          <a:bodyPr/>
+          <a:lstStyle/>
+          <a:p>
+            <a:endParaRPr lang="en-US"/>
+          </a:p>
+        </p:txBody>
+      </p:sp>
+    </p:spTree>
+    <p:extLst>
+      <p:ext uri="{BB962C8B-B14F-4D97-AF65-F5344CB8AC3E}">
+        <p14:creationId xmlns:p14="http://schemas.microsoft.com/office/powerpoint/2010/main" val="2968585308"/>
+      </p:ext>
+    </p:extLst>
+  </p:cSld>
+  <p:clrMapOvr>
+    <a:masterClrMapping/>
+  </p:clrMapOvr>
+</p:sld>
+</file>
+
+<file path=ppt/slides/slide4.xml><?xml version="1.0" encoding="utf-8"?>
+<p:sld xmlns:a="http://schemas.openxmlformats.org/drawingml/2006/main" xmlns:r="http://schemas.openxmlformats.org/officeDocument/2006/relationships" xmlns:p="http://schemas.openxmlformats.org/presentationml/2006/main">
+  <p:cSld>
+    <p:spTree>
+      <p:nvGrpSpPr>
+        <p:cNvPr id="1" name=""/>
+        <p:cNvGrpSpPr/>
+        <p:nvPr/>
+      </p:nvGrpSpPr>
+      <p:grpSpPr>
+        <a:xfrm>
+          <a:off x="0" y="0"/>
+          <a:ext cx="0" cy="0"/>
+          <a:chOff x="0" y="0"/>
+          <a:chExt cx="0" cy="0"/>
+        </a:xfrm>
+      </p:grpSpPr>
+      <p:sp>
+        <p:nvSpPr>
+          <p:cNvPr id="2" name="Title 1">
+            <a:extLst>
+              <a:ext uri="{FF2B5EF4-FFF2-40B4-BE49-F238E27FC236}">
+                <a16:creationId xmlns:a16="http://schemas.microsoft.com/office/drawing/2014/main" id="{DEC521D6-AF4C-2874-F71C-2A714B795B74}"/>
+              </a:ext>
+            </a:extLst>
+          </p:cNvPr>
+          <p:cNvSpPr>
+            <a:spLocks noGrp="1"/>
+          </p:cNvSpPr>
+          <p:nvPr>
+            <p:ph type="title"/>
+          </p:nvPr>
+        </p:nvSpPr>
+        <p:spPr/>
+        <p:txBody>
+          <a:bodyPr/>
+          <a:lstStyle/>
+          <a:p>
+            <a:r>
+              <a:rPr lang="en-US" dirty="0"/>
+              <a:t>Logistic Regression</a:t>
+            </a:r>
+          </a:p>
+        </p:txBody>
+      </p:sp>
+      <p:sp>
+        <p:nvSpPr>
+          <p:cNvPr id="3" name="Content Placeholder 2">
+            <a:extLst>
+              <a:ext uri="{FF2B5EF4-FFF2-40B4-BE49-F238E27FC236}">
+                <a16:creationId xmlns:a16="http://schemas.microsoft.com/office/drawing/2014/main" id="{8BA0E0A5-541A-2B9B-229D-05B56CEC0A97}"/>
+              </a:ext>
+            </a:extLst>
+          </p:cNvPr>
+          <p:cNvSpPr>
+            <a:spLocks noGrp="1"/>
+          </p:cNvSpPr>
+          <p:nvPr>
+            <p:ph idx="1"/>
+          </p:nvPr>
+        </p:nvSpPr>
+        <p:spPr/>
+        <p:txBody>
+          <a:bodyPr/>
+          <a:lstStyle/>
+          <a:p>
+            <a:endParaRPr lang="en-US"/>
+          </a:p>
+        </p:txBody>
+      </p:sp>
+    </p:spTree>
+    <p:extLst>
+      <p:ext uri="{BB962C8B-B14F-4D97-AF65-F5344CB8AC3E}">
+        <p14:creationId xmlns:p14="http://schemas.microsoft.com/office/powerpoint/2010/main" val="1649825407"/>
+      </p:ext>
+    </p:extLst>
+  </p:cSld>
+  <p:clrMapOvr>
+    <a:masterClrMapping/>
+  </p:clrMapOvr>
+</p:sld>
+</file>
+
+<file path=ppt/slides/slide5.xml><?xml version="1.0" encoding="utf-8"?>
+<p:sld xmlns:a="http://schemas.openxmlformats.org/drawingml/2006/main" xmlns:r="http://schemas.openxmlformats.org/officeDocument/2006/relationships" xmlns:p="http://schemas.openxmlformats.org/presentationml/2006/main">
+  <p:cSld>
+    <p:spTree>
+      <p:nvGrpSpPr>
+        <p:cNvPr id="1" name=""/>
+        <p:cNvGrpSpPr/>
+        <p:nvPr/>
+      </p:nvGrpSpPr>
+      <p:grpSpPr>
+        <a:xfrm>
+          <a:off x="0" y="0"/>
+          <a:ext cx="0" cy="0"/>
+          <a:chOff x="0" y="0"/>
+          <a:chExt cx="0" cy="0"/>
+        </a:xfrm>
+      </p:grpSpPr>
+      <p:sp>
+        <p:nvSpPr>
+          <p:cNvPr id="2" name="Title 1">
+            <a:extLst>
+              <a:ext uri="{FF2B5EF4-FFF2-40B4-BE49-F238E27FC236}">
+                <a16:creationId xmlns:a16="http://schemas.microsoft.com/office/drawing/2014/main" id="{F673BF65-3187-6F09-2C69-C2D501C5B349}"/>
+              </a:ext>
+            </a:extLst>
+          </p:cNvPr>
+          <p:cNvSpPr>
+            <a:spLocks noGrp="1"/>
+          </p:cNvSpPr>
+          <p:nvPr>
+            <p:ph type="title"/>
+          </p:nvPr>
+        </p:nvSpPr>
+        <p:spPr/>
+        <p:txBody>
+          <a:bodyPr/>
+          <a:lstStyle/>
+          <a:p>
+            <a:r>
+              <a:rPr lang="en-US" dirty="0"/>
+              <a:t>Representations of Regression</a:t>
+            </a:r>
+          </a:p>
+        </p:txBody>
+      </p:sp>
+      <p:sp>
+        <p:nvSpPr>
+          <p:cNvPr id="3" name="Text Placeholder 2">
+            <a:extLst>
+              <a:ext uri="{FF2B5EF4-FFF2-40B4-BE49-F238E27FC236}">
+                <a16:creationId xmlns:a16="http://schemas.microsoft.com/office/drawing/2014/main" id="{152F1098-1709-1003-CCA4-C836F4152763}"/>
+              </a:ext>
+            </a:extLst>
+          </p:cNvPr>
+          <p:cNvSpPr>
+            <a:spLocks noGrp="1"/>
+          </p:cNvSpPr>
+          <p:nvPr>
+            <p:ph type="body" idx="1"/>
+          </p:nvPr>
+        </p:nvSpPr>
+        <p:spPr/>
+        <p:txBody>
+          <a:bodyPr/>
+          <a:lstStyle/>
+          <a:p>
+            <a:r>
+              <a:rPr lang="en-US" dirty="0"/>
+              <a:t>Good Representation</a:t>
+            </a:r>
+          </a:p>
+        </p:txBody>
+      </p:sp>
+      <p:sp>
+        <p:nvSpPr>
+          <p:cNvPr id="4" name="Content Placeholder 3">
+            <a:extLst>
+              <a:ext uri="{FF2B5EF4-FFF2-40B4-BE49-F238E27FC236}">
+                <a16:creationId xmlns:a16="http://schemas.microsoft.com/office/drawing/2014/main" id="{EC99968F-9CB2-407B-E009-AFCE9E06AEC2}"/>
+              </a:ext>
+            </a:extLst>
+          </p:cNvPr>
+          <p:cNvSpPr>
+            <a:spLocks noGrp="1"/>
+          </p:cNvSpPr>
+          <p:nvPr>
+            <p:ph sz="half" idx="2"/>
+          </p:nvPr>
+        </p:nvSpPr>
+        <p:spPr/>
+        <p:txBody>
+          <a:bodyPr/>
+          <a:lstStyle/>
+          <a:p>
+            <a:endParaRPr lang="en-US"/>
+          </a:p>
+        </p:txBody>
+      </p:sp>
+      <p:sp>
+        <p:nvSpPr>
+          <p:cNvPr id="5" name="Text Placeholder 4">
+            <a:extLst>
+              <a:ext uri="{FF2B5EF4-FFF2-40B4-BE49-F238E27FC236}">
+                <a16:creationId xmlns:a16="http://schemas.microsoft.com/office/drawing/2014/main" id="{28C9BE97-D677-55FB-C624-5E39C01906D2}"/>
+              </a:ext>
+            </a:extLst>
+          </p:cNvPr>
+          <p:cNvSpPr>
+            <a:spLocks noGrp="1"/>
+          </p:cNvSpPr>
+          <p:nvPr>
+            <p:ph type="body" sz="quarter" idx="3"/>
+          </p:nvPr>
+        </p:nvSpPr>
+        <p:spPr/>
+        <p:txBody>
+          <a:bodyPr/>
+          <a:lstStyle/>
+          <a:p>
+            <a:r>
+              <a:rPr lang="en-US" dirty="0"/>
+              <a:t>Bad Representation</a:t>
+            </a:r>
+          </a:p>
+        </p:txBody>
+      </p:sp>
+      <p:sp>
+        <p:nvSpPr>
+          <p:cNvPr id="6" name="Content Placeholder 5">
+            <a:extLst>
+              <a:ext uri="{FF2B5EF4-FFF2-40B4-BE49-F238E27FC236}">
+                <a16:creationId xmlns:a16="http://schemas.microsoft.com/office/drawing/2014/main" id="{9E5D8BDF-01F7-615E-7D19-8FFE11597689}"/>
+              </a:ext>
+            </a:extLst>
+          </p:cNvPr>
+          <p:cNvSpPr>
+            <a:spLocks noGrp="1"/>
+          </p:cNvSpPr>
+          <p:nvPr>
+            <p:ph sz="quarter" idx="4"/>
+          </p:nvPr>
+        </p:nvSpPr>
+        <p:spPr/>
+        <p:txBody>
+          <a:bodyPr/>
+          <a:lstStyle/>
+          <a:p>
+            <a:endParaRPr lang="en-US" dirty="0"/>
+          </a:p>
+        </p:txBody>
+      </p:sp>
+    </p:spTree>
+    <p:extLst>
+      <p:ext uri="{BB962C8B-B14F-4D97-AF65-F5344CB8AC3E}">
+        <p14:creationId xmlns:p14="http://schemas.microsoft.com/office/powerpoint/2010/main" val="2064182060"/>
+      </p:ext>
+    </p:extLst>
+  </p:cSld>
+  <p:clrMapOvr>
+    <a:masterClrMapping/>
+  </p:clrMapOvr>
+</p:sld>
+</file>
+
+<file path=ppt/slides/slide6.xml><?xml version="1.0" encoding="utf-8"?>
+<p:sld xmlns:a="http://schemas.openxmlformats.org/drawingml/2006/main" xmlns:r="http://schemas.openxmlformats.org/officeDocument/2006/relationships" xmlns:p="http://schemas.openxmlformats.org/presentationml/2006/main">
+  <p:cSld>
+    <p:spTree>
+      <p:nvGrpSpPr>
+        <p:cNvPr id="1" name=""/>
+        <p:cNvGrpSpPr/>
+        <p:nvPr/>
+      </p:nvGrpSpPr>
+      <p:grpSpPr>
+        <a:xfrm>
+          <a:off x="0" y="0"/>
+          <a:ext cx="0" cy="0"/>
+          <a:chOff x="0" y="0"/>
+          <a:chExt cx="0" cy="0"/>
+        </a:xfrm>
+      </p:grpSpPr>
+      <p:sp>
+        <p:nvSpPr>
+          <p:cNvPr id="2" name="Title 1">
+            <a:extLst>
+              <a:ext uri="{FF2B5EF4-FFF2-40B4-BE49-F238E27FC236}">
+                <a16:creationId xmlns:a16="http://schemas.microsoft.com/office/drawing/2014/main" id="{D3A93989-F930-E8EE-DFAE-BD8DA23E5AF6}"/>
+              </a:ext>
+            </a:extLst>
+          </p:cNvPr>
+          <p:cNvSpPr>
+            <a:spLocks noGrp="1"/>
+          </p:cNvSpPr>
+          <p:nvPr>
+            <p:ph type="title"/>
+          </p:nvPr>
+        </p:nvSpPr>
+        <p:spPr/>
+        <p:txBody>
+          <a:bodyPr/>
+          <a:lstStyle/>
+          <a:p>
+            <a:r>
+              <a:rPr lang="en-US" dirty="0"/>
+              <a:t>Divisional Games </a:t>
+            </a:r>
+          </a:p>
+        </p:txBody>
+      </p:sp>
+      <p:sp>
+        <p:nvSpPr>
+          <p:cNvPr id="3" name="Content Placeholder 2">
+            <a:extLst>
+              <a:ext uri="{FF2B5EF4-FFF2-40B4-BE49-F238E27FC236}">
+                <a16:creationId xmlns:a16="http://schemas.microsoft.com/office/drawing/2014/main" id="{7670B225-2A9A-4C94-C249-998014B992AF}"/>
+              </a:ext>
+            </a:extLst>
+          </p:cNvPr>
+          <p:cNvSpPr>
+            <a:spLocks noGrp="1"/>
+          </p:cNvSpPr>
+          <p:nvPr>
+            <p:ph idx="1"/>
+          </p:nvPr>
+        </p:nvSpPr>
+        <p:spPr/>
+        <p:txBody>
+          <a:bodyPr/>
+          <a:lstStyle/>
+          <a:p>
+            <a:endParaRPr lang="en-US"/>
+          </a:p>
+        </p:txBody>
+      </p:sp>
+    </p:spTree>
+    <p:extLst>
+      <p:ext uri="{BB962C8B-B14F-4D97-AF65-F5344CB8AC3E}">
+        <p14:creationId xmlns:p14="http://schemas.microsoft.com/office/powerpoint/2010/main" val="2340615137"/>
+      </p:ext>
+    </p:extLst>
+  </p:cSld>
+  <p:clrMapOvr>
+    <a:masterClrMapping/>
+  </p:clrMapOvr>
+</p:sld>
+</file>
+
+<file path=ppt/slides/slide7.xml><?xml version="1.0" encoding="utf-8"?>
+<p:sld xmlns:a="http://schemas.openxmlformats.org/drawingml/2006/main" xmlns:r="http://schemas.openxmlformats.org/officeDocument/2006/relationships" xmlns:p="http://schemas.openxmlformats.org/presentationml/2006/main">
+  <p:cSld>
+    <p:spTree>
+      <p:nvGrpSpPr>
+        <p:cNvPr id="1" name=""/>
+        <p:cNvGrpSpPr/>
+        <p:nvPr/>
+      </p:nvGrpSpPr>
+      <p:grpSpPr>
+        <a:xfrm>
+          <a:off x="0" y="0"/>
+          <a:ext cx="0" cy="0"/>
+          <a:chOff x="0" y="0"/>
+          <a:chExt cx="0" cy="0"/>
+        </a:xfrm>
+      </p:grpSpPr>
+      <p:sp>
+        <p:nvSpPr>
+          <p:cNvPr id="2" name="Title 1">
+            <a:extLst>
+              <a:ext uri="{FF2B5EF4-FFF2-40B4-BE49-F238E27FC236}">
+                <a16:creationId xmlns:a16="http://schemas.microsoft.com/office/drawing/2014/main" id="{9ABCE6E7-0782-51A5-4A55-4C0C5222E73C}"/>
+              </a:ext>
+            </a:extLst>
+          </p:cNvPr>
+          <p:cNvSpPr>
+            <a:spLocks noGrp="1"/>
+          </p:cNvSpPr>
+          <p:nvPr>
+            <p:ph type="title"/>
+          </p:nvPr>
+        </p:nvSpPr>
+        <p:spPr/>
+        <p:txBody>
+          <a:bodyPr/>
+          <a:lstStyle/>
+          <a:p>
+            <a:r>
+              <a:rPr lang="en-US" dirty="0"/>
+              <a:t>Log Loss???</a:t>
+            </a:r>
+          </a:p>
+        </p:txBody>
+      </p:sp>
+      <p:sp>
+        <p:nvSpPr>
+          <p:cNvPr id="3" name="Content Placeholder 2">
+            <a:extLst>
+              <a:ext uri="{FF2B5EF4-FFF2-40B4-BE49-F238E27FC236}">
+                <a16:creationId xmlns:a16="http://schemas.microsoft.com/office/drawing/2014/main" id="{620C9F1C-C1BA-F751-CEB6-FE7EF5B9CEA7}"/>
+              </a:ext>
+            </a:extLst>
+          </p:cNvPr>
+          <p:cNvSpPr>
+            <a:spLocks noGrp="1"/>
+          </p:cNvSpPr>
+          <p:nvPr>
+            <p:ph idx="1"/>
+          </p:nvPr>
+        </p:nvSpPr>
+        <p:spPr/>
+        <p:txBody>
+          <a:bodyPr/>
+          <a:lstStyle/>
+          <a:p>
+            <a:endParaRPr lang="en-US" dirty="0"/>
+          </a:p>
+        </p:txBody>
+      </p:sp>
+    </p:spTree>
+    <p:extLst>
+      <p:ext uri="{BB962C8B-B14F-4D97-AF65-F5344CB8AC3E}">
+        <p14:creationId xmlns:p14="http://schemas.microsoft.com/office/powerpoint/2010/main" val="2217647955"/>
+      </p:ext>
+    </p:extLst>
+  </p:cSld>
+  <p:clrMapOvr>
+    <a:masterClrMapping/>
+  </p:clrMapOvr>
+</p:sld>
+</file>
+
+<file path=ppt/slides/slide8.xml><?xml version="1.0" encoding="utf-8"?>
+<p:sld xmlns:a="http://schemas.openxmlformats.org/drawingml/2006/main" xmlns:r="http://schemas.openxmlformats.org/officeDocument/2006/relationships" xmlns:p="http://schemas.openxmlformats.org/presentationml/2006/main">
+  <p:cSld>
+    <p:spTree>
+      <p:nvGrpSpPr>
+        <p:cNvPr id="1" name=""/>
+        <p:cNvGrpSpPr/>
+        <p:nvPr/>
+      </p:nvGrpSpPr>
+      <p:grpSpPr>
+        <a:xfrm>
+          <a:off x="0" y="0"/>
+          <a:ext cx="0" cy="0"/>
+          <a:chOff x="0" y="0"/>
+          <a:chExt cx="0" cy="0"/>
+        </a:xfrm>
+      </p:grpSpPr>
+      <p:sp>
+        <p:nvSpPr>
+          <p:cNvPr id="2" name="Title 1">
+            <a:extLst>
+              <a:ext uri="{FF2B5EF4-FFF2-40B4-BE49-F238E27FC236}">
+                <a16:creationId xmlns:a16="http://schemas.microsoft.com/office/drawing/2014/main" id="{291E13FE-3B17-DC6B-66C9-DF17E3737DC1}"/>
+              </a:ext>
+            </a:extLst>
+          </p:cNvPr>
+          <p:cNvSpPr>
+            <a:spLocks noGrp="1"/>
+          </p:cNvSpPr>
+          <p:nvPr>
+            <p:ph type="title"/>
+          </p:nvPr>
+        </p:nvSpPr>
+        <p:spPr/>
+        <p:txBody>
+          <a:bodyPr/>
+          <a:lstStyle/>
+          <a:p>
+            <a:r>
+              <a:rPr lang="en-US" dirty="0"/>
+              <a:t>PageRank</a:t>
+            </a:r>
+          </a:p>
+        </p:txBody>
+      </p:sp>
+      <p:sp>
+        <p:nvSpPr>
+          <p:cNvPr id="3" name="Content Placeholder 2">
+            <a:extLst>
+              <a:ext uri="{FF2B5EF4-FFF2-40B4-BE49-F238E27FC236}">
+                <a16:creationId xmlns:a16="http://schemas.microsoft.com/office/drawing/2014/main" id="{25C791AA-B1D2-1FA8-1EE3-91BD87A2911D}"/>
+              </a:ext>
+            </a:extLst>
+          </p:cNvPr>
+          <p:cNvSpPr>
+            <a:spLocks noGrp="1"/>
+          </p:cNvSpPr>
+          <p:nvPr>
+            <p:ph idx="1"/>
+          </p:nvPr>
+        </p:nvSpPr>
+        <p:spPr/>
+        <p:txBody>
+          <a:bodyPr/>
+          <a:lstStyle/>
+          <a:p>
+            <a:r>
+              <a:rPr lang="en-US" dirty="0"/>
+              <a:t>Coins or Water Example</a:t>
+            </a:r>
+          </a:p>
+        </p:txBody>
+      </p:sp>
+    </p:spTree>
+    <p:extLst>
+      <p:ext uri="{BB962C8B-B14F-4D97-AF65-F5344CB8AC3E}">
+        <p14:creationId xmlns:p14="http://schemas.microsoft.com/office/powerpoint/2010/main" val="1675382547"/>
+      </p:ext>
+    </p:extLst>
+  </p:cSld>
+  <p:clrMapOvr>
+    <a:masterClrMapping/>
+  </p:clrMapOvr>
+</p:sld>
+</file>
+
+<file path=ppt/slides/slide9.xml><?xml version="1.0" encoding="utf-8"?>
+<p:sld xmlns:a="http://schemas.openxmlformats.org/drawingml/2006/main" xmlns:r="http://schemas.openxmlformats.org/officeDocument/2006/relationships" xmlns:p="http://schemas.openxmlformats.org/presentationml/2006/main">
+  <p:cSld>
+    <p:spTree>
+      <p:nvGrpSpPr>
+        <p:cNvPr id="1" name=""/>
+        <p:cNvGrpSpPr/>
+        <p:nvPr/>
+      </p:nvGrpSpPr>
+      <p:grpSpPr>
+        <a:xfrm>
+          <a:off x="0" y="0"/>
+          <a:ext cx="0" cy="0"/>
+          <a:chOff x="0" y="0"/>
+          <a:chExt cx="0" cy="0"/>
+        </a:xfrm>
+      </p:grpSpPr>
+      <p:sp>
+        <p:nvSpPr>
+          <p:cNvPr id="2" name="Title 1">
+            <a:extLst>
+              <a:ext uri="{FF2B5EF4-FFF2-40B4-BE49-F238E27FC236}">
+                <a16:creationId xmlns:a16="http://schemas.microsoft.com/office/drawing/2014/main" id="{20477088-9565-5744-2946-A37B1AB33D30}"/>
+              </a:ext>
+            </a:extLst>
+          </p:cNvPr>
+          <p:cNvSpPr>
+            <a:spLocks noGrp="1"/>
+          </p:cNvSpPr>
+          <p:nvPr>
+            <p:ph type="title"/>
+          </p:nvPr>
+        </p:nvSpPr>
+        <p:spPr/>
+        <p:txBody>
+          <a:bodyPr/>
+          <a:lstStyle/>
+          <a:p>
+            <a:r>
+              <a:rPr lang="en-US" dirty="0"/>
+              <a:t>2024 Week by Week Evolution of PageRank</a:t>
+            </a:r>
+          </a:p>
+        </p:txBody>
+      </p:sp>
+      <p:sp>
+        <p:nvSpPr>
+          <p:cNvPr id="3" name="Content Placeholder 2">
+            <a:extLst>
+              <a:ext uri="{FF2B5EF4-FFF2-40B4-BE49-F238E27FC236}">
+                <a16:creationId xmlns:a16="http://schemas.microsoft.com/office/drawing/2014/main" id="{B8C657FF-F8B2-7B24-DC19-01511BA43CA8}"/>
+              </a:ext>
+            </a:extLst>
+          </p:cNvPr>
+          <p:cNvSpPr>
+            <a:spLocks noGrp="1"/>
+          </p:cNvSpPr>
+          <p:nvPr>
+            <p:ph idx="1"/>
+          </p:nvPr>
+        </p:nvSpPr>
+        <p:spPr/>
+        <p:txBody>
+          <a:bodyPr/>
+          <a:lstStyle/>
+          <a:p>
+            <a:endParaRPr lang="en-US"/>
+          </a:p>
+        </p:txBody>
+      </p:sp>
+    </p:spTree>
+    <p:extLst>
+      <p:ext uri="{BB962C8B-B14F-4D97-AF65-F5344CB8AC3E}">
+        <p14:creationId xmlns:p14="http://schemas.microsoft.com/office/powerpoint/2010/main" val="59039754"/>
       </p:ext>
     </p:extLst>
   </p:cSld>
